--- a/DART THROWING MONKEYS.pptx
+++ b/DART THROWING MONKEYS.pptx
@@ -108,6 +108,11 @@
       </a:defRPr>
     </a:lvl9pPr>
   </p:defaultTextStyle>
+  <p:extLst>
+    <p:ext uri="{EFAFB233-063F-42B5-8137-9DF3F51BA10A}">
+      <p15:sldGuideLst xmlns:p15="http://schemas.microsoft.com/office/powerpoint/2012/main"/>
+    </p:ext>
+  </p:extLst>
 </p:presentation>
 </file>
 
@@ -260,7 +265,7 @@
           <a:p>
             <a:fld id="{FB65A85D-FB72-4DC9-83FC-1083CC638E10}" type="datetimeFigureOut">
               <a:rPr lang="es-MX" smtClean="0"/>
-              <a:t>07/08/2020</a:t>
+              <a:t>08/08/2020</a:t>
             </a:fld>
             <a:endParaRPr lang="es-MX"/>
           </a:p>
@@ -460,7 +465,7 @@
           <a:p>
             <a:fld id="{FB65A85D-FB72-4DC9-83FC-1083CC638E10}" type="datetimeFigureOut">
               <a:rPr lang="es-MX" smtClean="0"/>
-              <a:t>07/08/2020</a:t>
+              <a:t>08/08/2020</a:t>
             </a:fld>
             <a:endParaRPr lang="es-MX"/>
           </a:p>
@@ -670,7 +675,7 @@
           <a:p>
             <a:fld id="{FB65A85D-FB72-4DC9-83FC-1083CC638E10}" type="datetimeFigureOut">
               <a:rPr lang="es-MX" smtClean="0"/>
-              <a:t>07/08/2020</a:t>
+              <a:t>08/08/2020</a:t>
             </a:fld>
             <a:endParaRPr lang="es-MX"/>
           </a:p>
@@ -870,7 +875,7 @@
           <a:p>
             <a:fld id="{FB65A85D-FB72-4DC9-83FC-1083CC638E10}" type="datetimeFigureOut">
               <a:rPr lang="es-MX" smtClean="0"/>
-              <a:t>07/08/2020</a:t>
+              <a:t>08/08/2020</a:t>
             </a:fld>
             <a:endParaRPr lang="es-MX"/>
           </a:p>
@@ -1146,7 +1151,7 @@
           <a:p>
             <a:fld id="{FB65A85D-FB72-4DC9-83FC-1083CC638E10}" type="datetimeFigureOut">
               <a:rPr lang="es-MX" smtClean="0"/>
-              <a:t>07/08/2020</a:t>
+              <a:t>08/08/2020</a:t>
             </a:fld>
             <a:endParaRPr lang="es-MX"/>
           </a:p>
@@ -1414,7 +1419,7 @@
           <a:p>
             <a:fld id="{FB65A85D-FB72-4DC9-83FC-1083CC638E10}" type="datetimeFigureOut">
               <a:rPr lang="es-MX" smtClean="0"/>
-              <a:t>07/08/2020</a:t>
+              <a:t>08/08/2020</a:t>
             </a:fld>
             <a:endParaRPr lang="es-MX"/>
           </a:p>
@@ -1829,7 +1834,7 @@
           <a:p>
             <a:fld id="{FB65A85D-FB72-4DC9-83FC-1083CC638E10}" type="datetimeFigureOut">
               <a:rPr lang="es-MX" smtClean="0"/>
-              <a:t>07/08/2020</a:t>
+              <a:t>08/08/2020</a:t>
             </a:fld>
             <a:endParaRPr lang="es-MX"/>
           </a:p>
@@ -1971,7 +1976,7 @@
           <a:p>
             <a:fld id="{FB65A85D-FB72-4DC9-83FC-1083CC638E10}" type="datetimeFigureOut">
               <a:rPr lang="es-MX" smtClean="0"/>
-              <a:t>07/08/2020</a:t>
+              <a:t>08/08/2020</a:t>
             </a:fld>
             <a:endParaRPr lang="es-MX"/>
           </a:p>
@@ -2084,7 +2089,7 @@
           <a:p>
             <a:fld id="{FB65A85D-FB72-4DC9-83FC-1083CC638E10}" type="datetimeFigureOut">
               <a:rPr lang="es-MX" smtClean="0"/>
-              <a:t>07/08/2020</a:t>
+              <a:t>08/08/2020</a:t>
             </a:fld>
             <a:endParaRPr lang="es-MX"/>
           </a:p>
@@ -2397,7 +2402,7 @@
           <a:p>
             <a:fld id="{FB65A85D-FB72-4DC9-83FC-1083CC638E10}" type="datetimeFigureOut">
               <a:rPr lang="es-MX" smtClean="0"/>
-              <a:t>07/08/2020</a:t>
+              <a:t>08/08/2020</a:t>
             </a:fld>
             <a:endParaRPr lang="es-MX"/>
           </a:p>
@@ -2686,7 +2691,7 @@
           <a:p>
             <a:fld id="{FB65A85D-FB72-4DC9-83FC-1083CC638E10}" type="datetimeFigureOut">
               <a:rPr lang="es-MX" smtClean="0"/>
-              <a:t>07/08/2020</a:t>
+              <a:t>08/08/2020</a:t>
             </a:fld>
             <a:endParaRPr lang="es-MX"/>
           </a:p>
@@ -2764,7 +2769,7 @@
   <p:cSld>
     <p:bg>
       <p:bgRef idx="1001">
-        <a:schemeClr val="bg1"/>
+        <a:schemeClr val="bg2"/>
       </p:bgRef>
     </p:bg>
     <p:spTree>
@@ -2929,7 +2934,7 @@
           <a:p>
             <a:fld id="{FB65A85D-FB72-4DC9-83FC-1083CC638E10}" type="datetimeFigureOut">
               <a:rPr lang="es-MX" smtClean="0"/>
-              <a:t>07/08/2020</a:t>
+              <a:t>08/08/2020</a:t>
             </a:fld>
             <a:endParaRPr lang="es-MX"/>
           </a:p>
@@ -3032,7 +3037,7 @@
       </p:ext>
     </p:extLst>
   </p:cSld>
-  <p:clrMap bg1="lt1" tx1="dk1" bg2="lt2" tx2="dk2" accent1="accent1" accent2="accent2" accent3="accent3" accent4="accent4" accent5="accent5" accent6="accent6" hlink="hlink" folHlink="folHlink"/>
+  <p:clrMap bg1="dk1" tx1="lt1" bg2="dk2" tx2="lt2" accent1="accent1" accent2="accent2" accent3="accent3" accent4="accent4" accent5="accent5" accent6="accent6" hlink="hlink" folHlink="folHlink"/>
   <p:sldLayoutIdLst>
     <p:sldLayoutId id="2147483649" r:id="rId1"/>
     <p:sldLayoutId id="2147483650" r:id="rId2"/>
@@ -3360,8 +3365,8 @@
         </p:nvSpPr>
         <p:spPr>
           <a:xfrm>
-            <a:off x="733425" y="609600"/>
-            <a:ext cx="10201275" cy="2862322"/>
+            <a:off x="400051" y="419100"/>
+            <a:ext cx="11315700" cy="2308324"/>
           </a:xfrm>
           <a:prstGeom prst="rect">
             <a:avLst/>
@@ -3430,15 +3435,6 @@
           </a:p>
           <a:p>
             <a:pPr algn="l"/>
-            <a:endParaRPr lang="en-US" dirty="0">
-              <a:solidFill>
-                <a:srgbClr val="444444"/>
-              </a:solidFill>
-              <a:latin typeface="Open Sans"/>
-            </a:endParaRPr>
-          </a:p>
-          <a:p>
-            <a:pPr algn="l"/>
             <a:r>
               <a:rPr lang="en-US" b="0" i="1" dirty="0">
                 <a:solidFill>
@@ -3473,8 +3469,8 @@
         </p:nvSpPr>
         <p:spPr>
           <a:xfrm>
-            <a:off x="733425" y="3819525"/>
-            <a:ext cx="10077450" cy="2031325"/>
+            <a:off x="400050" y="3043297"/>
+            <a:ext cx="11315700" cy="2862322"/>
           </a:xfrm>
           <a:prstGeom prst="rect">
             <a:avLst/>
@@ -3509,7 +3505,55 @@
               <a:rPr lang="en-US" dirty="0">
                 <a:latin typeface="Open Sans"/>
               </a:rPr>
-              <a:t>It occurs when a short term average crosses a long term average , the signal indicator is used to identify the momentum is shifting in the direction of the short term average, and a buy signals generated when the short term average crosses the long term average, and rises above it, while a sale signal is triggered by a short term average crossing the long term average falling below it. </a:t>
+              <a:t>That´s a bit of a big question for the actual scope of this very project, however to place into perspective the actual approach to illustrate in my book two basic approaches, I would like to address the following:</a:t>
+            </a:r>
+          </a:p>
+          <a:p>
+            <a:r>
+              <a:rPr lang="en-US" b="1" dirty="0">
+                <a:latin typeface="Open Sans"/>
+              </a:rPr>
+              <a:t>Market Indicator analysis for Price vs. Volume dynamics, this referred to the sp500,</a:t>
+            </a:r>
+            <a:r>
+              <a:rPr lang="en-US" dirty="0">
+                <a:latin typeface="Open Sans"/>
+              </a:rPr>
+              <a:t> and a usual analysis criteria used by traders , known as </a:t>
+            </a:r>
+            <a:r>
+              <a:rPr lang="en-US" b="1" i="1" dirty="0">
+                <a:solidFill>
+                  <a:srgbClr val="000000"/>
+                </a:solidFill>
+                <a:effectLst/>
+                <a:latin typeface="Helvetica Neue"/>
+              </a:rPr>
+              <a:t>Dual moving average crossover to determine when to Buy and when to Sell Stock</a:t>
+            </a:r>
+            <a:r>
+              <a:rPr lang="en-US" b="1" i="1" dirty="0">
+                <a:solidFill>
+                  <a:srgbClr val="000000"/>
+                </a:solidFill>
+                <a:latin typeface="Open Sans"/>
+              </a:rPr>
+              <a:t>, </a:t>
+            </a:r>
+            <a:r>
+              <a:rPr lang="en-US" dirty="0">
+                <a:solidFill>
+                  <a:srgbClr val="000000"/>
+                </a:solidFill>
+                <a:latin typeface="Open Sans"/>
+              </a:rPr>
+              <a:t>i</a:t>
+            </a:r>
+            <a:r>
+              <a:rPr lang="en-US" dirty="0">
+                <a:latin typeface="Open Sans"/>
+              </a:rPr>
+              <a:t>t occurs when a short term average crosses a long term average , the signal indicator is used to identify the momentum is shifting in the direction of the short term average, and a buy signals generated when the short term average crosses the long term average, and rises above it, while a sale signal is triggered by a short term average crossing the long term average falling below it. </a:t>
             </a:r>
             <a:endParaRPr lang="es-MX" dirty="0">
               <a:latin typeface="Open Sans"/>
@@ -4035,8 +4079,8 @@
         </p:blipFill>
         <p:spPr bwMode="auto">
           <a:xfrm>
-            <a:off x="-338805" y="1007979"/>
-            <a:ext cx="12021519" cy="5424406"/>
+            <a:off x="199540" y="1160379"/>
+            <a:ext cx="11792919" cy="5424406"/>
           </a:xfrm>
           <a:prstGeom prst="rect">
             <a:avLst/>
